--- a/docs/trim1/1_gestion_proyecto/2_presentacion_proyecto.pptx
+++ b/docs/trim1/1_gestion_proyecto/2_presentacion_proyecto.pptx
@@ -220,7 +220,7 @@
           <a:p>
             <a:fld id="{7E6DFAF8-F7BA-48F4-B956-3CC1A9ACF6C9}" type="datetimeFigureOut">
               <a:rPr lang="es-CO" smtClean="0"/>
-              <a:t>10/10/2022</a:t>
+              <a:t>11/10/2022</a:t>
             </a:fld>
             <a:endParaRPr lang="es-CO"/>
           </a:p>
@@ -741,7 +741,7 @@
           <a:p>
             <a:fld id="{B3030C24-9424-B24A-8613-79990C3AA492}" type="datetimeFigureOut">
               <a:rPr lang="es-ES" smtClean="0"/>
-              <a:t>10/10/2022</a:t>
+              <a:t>11/10/2022</a:t>
             </a:fld>
             <a:endParaRPr lang="es-ES"/>
           </a:p>
@@ -921,7 +921,7 @@
           <a:p>
             <a:fld id="{B3030C24-9424-B24A-8613-79990C3AA492}" type="datetimeFigureOut">
               <a:rPr lang="es-ES" smtClean="0"/>
-              <a:t>10/10/2022</a:t>
+              <a:t>11/10/2022</a:t>
             </a:fld>
             <a:endParaRPr lang="es-ES"/>
           </a:p>
@@ -1565,7 +1565,7 @@
           <a:p>
             <a:fld id="{B3030C24-9424-B24A-8613-79990C3AA492}" type="datetimeFigureOut">
               <a:rPr lang="es-ES" smtClean="0"/>
-              <a:t>10/10/2022</a:t>
+              <a:t>11/10/2022</a:t>
             </a:fld>
             <a:endParaRPr lang="es-ES"/>
           </a:p>
@@ -1818,7 +1818,7 @@
           <a:p>
             <a:fld id="{B3030C24-9424-B24A-8613-79990C3AA492}" type="datetimeFigureOut">
               <a:rPr lang="es-ES" smtClean="0"/>
-              <a:t>10/10/2022</a:t>
+              <a:t>11/10/2022</a:t>
             </a:fld>
             <a:endParaRPr lang="es-ES"/>
           </a:p>
@@ -2031,7 +2031,7 @@
           <a:p>
             <a:fld id="{B3030C24-9424-B24A-8613-79990C3AA492}" type="datetimeFigureOut">
               <a:rPr lang="es-ES" smtClean="0"/>
-              <a:t>10/10/2022</a:t>
+              <a:t>11/10/2022</a:t>
             </a:fld>
             <a:endParaRPr lang="es-ES"/>
           </a:p>
@@ -3833,14 +3833,6 @@
               </a:rPr>
               <a:t>Plan de Proyecto</a:t>
             </a:r>
-            <a:endParaRPr lang="es-ES" sz="1050" dirty="0" smtClean="0">
-              <a:solidFill>
-                <a:schemeClr val="tx1">
-                  <a:lumMod val="75000"/>
-                  <a:lumOff val="25000"/>
-                </a:schemeClr>
-              </a:solidFill>
-            </a:endParaRPr>
           </a:p>
           <a:p>
             <a:pPr marL="444500" indent="-285750">
@@ -4331,8 +4323,27 @@
                   </a:schemeClr>
                 </a:solidFill>
               </a:rPr>
-              <a:t>Consultas preparadas</a:t>
-            </a:r>
+              <a:t>Consultas </a:t>
+            </a:r>
+            <a:r>
+              <a:rPr lang="es-ES" sz="1050" dirty="0" smtClean="0">
+                <a:solidFill>
+                  <a:schemeClr val="tx1">
+                    <a:lumMod val="75000"/>
+                    <a:lumOff val="25000"/>
+                  </a:schemeClr>
+                </a:solidFill>
+              </a:rPr>
+              <a:t>DML</a:t>
+            </a:r>
+            <a:endParaRPr lang="es-ES" sz="1050" dirty="0">
+              <a:solidFill>
+                <a:schemeClr val="tx1">
+                  <a:lumMod val="75000"/>
+                  <a:lumOff val="25000"/>
+                </a:schemeClr>
+              </a:solidFill>
+            </a:endParaRPr>
           </a:p>
           <a:p>
             <a:pPr marL="444500" indent="-285750">
